--- a/lending_analysis.pptx
+++ b/lending_analysis.pptx
@@ -11,6 +11,12 @@
     <p:sldId id="259" r:id="rId5"/>
     <p:sldId id="260" r:id="rId6"/>
     <p:sldId id="261" r:id="rId7"/>
+    <p:sldId id="262" r:id="rId8"/>
+    <p:sldId id="263" r:id="rId9"/>
+    <p:sldId id="264" r:id="rId10"/>
+    <p:sldId id="265" r:id="rId11"/>
+    <p:sldId id="266" r:id="rId12"/>
+    <p:sldId id="267" r:id="rId13"/>
   </p:sldIdLst>
   <p:sldSz cx="12192000" cy="6858000"/>
   <p:notesSz cx="6858000" cy="9144000"/>
@@ -109,6 +115,11 @@
       </a:defRPr>
     </a:lvl9pPr>
   </p:defaultTextStyle>
+  <p:extLst>
+    <p:ext uri="{EFAFB233-063F-42B5-8137-9DF3F51BA10A}">
+      <p15:sldGuideLst xmlns:p15="http://schemas.microsoft.com/office/powerpoint/2012/main"/>
+    </p:ext>
+  </p:extLst>
 </p:presentation>
 </file>
 
@@ -3596,7 +3607,7 @@
           <a:p>
             <a:r>
               <a:rPr lang="en-US" dirty="0"/>
-              <a:t>LENDING CASE STUDY</a:t>
+              <a:t>LENDING CLUB CASE STUDY</a:t>
             </a:r>
           </a:p>
         </p:txBody>
@@ -3674,6 +3685,595 @@
     <p:extLst>
       <p:ext uri="{BB962C8B-B14F-4D97-AF65-F5344CB8AC3E}">
         <p14:creationId xmlns:p14="http://schemas.microsoft.com/office/powerpoint/2010/main" val="2159069335"/>
+      </p:ext>
+    </p:extLst>
+  </p:cSld>
+  <p:clrMapOvr>
+    <a:masterClrMapping/>
+  </p:clrMapOvr>
+</p:sld>
+</file>
+
+<file path=ppt/slides/slide10.xml><?xml version="1.0" encoding="utf-8"?>
+<p:sld xmlns:a="http://schemas.openxmlformats.org/drawingml/2006/main" xmlns:r="http://schemas.openxmlformats.org/officeDocument/2006/relationships" xmlns:p="http://schemas.openxmlformats.org/presentationml/2006/main">
+  <p:cSld>
+    <p:spTree>
+      <p:nvGrpSpPr>
+        <p:cNvPr id="1" name=""/>
+        <p:cNvGrpSpPr/>
+        <p:nvPr/>
+      </p:nvGrpSpPr>
+      <p:grpSpPr>
+        <a:xfrm>
+          <a:off x="0" y="0"/>
+          <a:ext cx="0" cy="0"/>
+          <a:chOff x="0" y="0"/>
+          <a:chExt cx="0" cy="0"/>
+        </a:xfrm>
+      </p:grpSpPr>
+      <p:sp>
+        <p:nvSpPr>
+          <p:cNvPr id="2" name="Title 1">
+            <a:extLst>
+              <a:ext uri="{FF2B5EF4-FFF2-40B4-BE49-F238E27FC236}">
+                <a16:creationId xmlns:a16="http://schemas.microsoft.com/office/drawing/2014/main" id="{6CFBDCE7-C040-95CC-18B8-0D28AAB7E1CA}"/>
+              </a:ext>
+            </a:extLst>
+          </p:cNvPr>
+          <p:cNvSpPr>
+            <a:spLocks noGrp="1"/>
+          </p:cNvSpPr>
+          <p:nvPr>
+            <p:ph type="title"/>
+          </p:nvPr>
+        </p:nvSpPr>
+        <p:spPr/>
+        <p:txBody>
+          <a:bodyPr/>
+          <a:lstStyle/>
+          <a:p>
+            <a:r>
+              <a:rPr lang="en-US" dirty="0" err="1"/>
+              <a:t>BiVARIATE</a:t>
+            </a:r>
+            <a:r>
+              <a:rPr lang="en-US" dirty="0"/>
+              <a:t> Analysis</a:t>
+            </a:r>
+          </a:p>
+        </p:txBody>
+      </p:sp>
+      <p:sp>
+        <p:nvSpPr>
+          <p:cNvPr id="3" name="Content Placeholder 2">
+            <a:extLst>
+              <a:ext uri="{FF2B5EF4-FFF2-40B4-BE49-F238E27FC236}">
+                <a16:creationId xmlns:a16="http://schemas.microsoft.com/office/drawing/2014/main" id="{320D6630-554E-5188-214F-B628831874E2}"/>
+              </a:ext>
+            </a:extLst>
+          </p:cNvPr>
+          <p:cNvSpPr>
+            <a:spLocks noGrp="1"/>
+          </p:cNvSpPr>
+          <p:nvPr>
+            <p:ph idx="1"/>
+          </p:nvPr>
+        </p:nvSpPr>
+        <p:spPr>
+          <a:xfrm>
+            <a:off x="1451579" y="1927577"/>
+            <a:ext cx="8829757" cy="4244623"/>
+          </a:xfrm>
+        </p:spPr>
+        <p:txBody>
+          <a:bodyPr/>
+          <a:lstStyle/>
+          <a:p>
+            <a:endParaRPr lang="en-US" dirty="0"/>
+          </a:p>
+          <a:p>
+            <a:endParaRPr lang="en-US" dirty="0"/>
+          </a:p>
+        </p:txBody>
+      </p:sp>
+      <p:sp>
+        <p:nvSpPr>
+          <p:cNvPr id="4" name="TextBox 3">
+            <a:extLst>
+              <a:ext uri="{FF2B5EF4-FFF2-40B4-BE49-F238E27FC236}">
+                <a16:creationId xmlns:a16="http://schemas.microsoft.com/office/drawing/2014/main" id="{EACD886E-CCB4-3485-259A-498C2EDFDB5B}"/>
+              </a:ext>
+            </a:extLst>
+          </p:cNvPr>
+          <p:cNvSpPr txBox="1"/>
+          <p:nvPr/>
+        </p:nvSpPr>
+        <p:spPr>
+          <a:xfrm>
+            <a:off x="5657850" y="2228850"/>
+            <a:ext cx="5397004" cy="2031325"/>
+          </a:xfrm>
+          <a:prstGeom prst="rect">
+            <a:avLst/>
+          </a:prstGeom>
+          <a:noFill/>
+        </p:spPr>
+        <p:txBody>
+          <a:bodyPr wrap="square" rtlCol="0">
+            <a:spAutoFit/>
+          </a:bodyPr>
+          <a:lstStyle/>
+          <a:p>
+            <a:r>
+              <a:rPr lang="en-US" dirty="0"/>
+              <a:t> Count plot indicates that the loan terms with 36 months and 60 months are common for “Fully Paid” &amp; “Charged Off” status.</a:t>
+            </a:r>
+          </a:p>
+          <a:p>
+            <a:r>
+              <a:rPr lang="en-US" dirty="0"/>
+              <a:t>There is also a noticeable pattern where loans with higher loan term have higher count of being “Charged off” compared to “Fully Paid” which suggests longer loan term might be risk factor</a:t>
+            </a:r>
+          </a:p>
+        </p:txBody>
+      </p:sp>
+      <p:sp>
+        <p:nvSpPr>
+          <p:cNvPr id="5" name="TextBox 4">
+            <a:extLst>
+              <a:ext uri="{FF2B5EF4-FFF2-40B4-BE49-F238E27FC236}">
+                <a16:creationId xmlns:a16="http://schemas.microsoft.com/office/drawing/2014/main" id="{EE14C3B3-7115-F8E4-3E7F-D38F99270670}"/>
+              </a:ext>
+            </a:extLst>
+          </p:cNvPr>
+          <p:cNvSpPr txBox="1"/>
+          <p:nvPr/>
+        </p:nvSpPr>
+        <p:spPr>
+          <a:xfrm>
+            <a:off x="998990" y="4387937"/>
+            <a:ext cx="99920" cy="199481"/>
+          </a:xfrm>
+          <a:prstGeom prst="rect">
+            <a:avLst/>
+          </a:prstGeom>
+          <a:noFill/>
+        </p:spPr>
+        <p:txBody>
+          <a:bodyPr wrap="square" rtlCol="0">
+            <a:spAutoFit/>
+          </a:bodyPr>
+          <a:lstStyle/>
+          <a:p>
+            <a:endParaRPr lang="en-US" dirty="0"/>
+          </a:p>
+        </p:txBody>
+      </p:sp>
+      <p:pic>
+        <p:nvPicPr>
+          <p:cNvPr id="9218" name="Picture 2">
+            <a:extLst>
+              <a:ext uri="{FF2B5EF4-FFF2-40B4-BE49-F238E27FC236}">
+                <a16:creationId xmlns:a16="http://schemas.microsoft.com/office/drawing/2014/main" id="{14D677A3-0603-0683-C2BF-E1AD7C3D56C2}"/>
+              </a:ext>
+            </a:extLst>
+          </p:cNvPr>
+          <p:cNvPicPr>
+            <a:picLocks noChangeAspect="1" noChangeArrowheads="1"/>
+          </p:cNvPicPr>
+          <p:nvPr/>
+        </p:nvPicPr>
+        <p:blipFill>
+          <a:blip r:embed="rId2">
+            <a:extLst>
+              <a:ext uri="{28A0092B-C50C-407E-A947-70E740481C1C}">
+                <a14:useLocalDpi xmlns:a14="http://schemas.microsoft.com/office/drawing/2010/main" val="0"/>
+              </a:ext>
+            </a:extLst>
+          </a:blip>
+          <a:srcRect/>
+          <a:stretch>
+            <a:fillRect/>
+          </a:stretch>
+        </p:blipFill>
+        <p:spPr bwMode="auto">
+          <a:xfrm>
+            <a:off x="103378" y="1927577"/>
+            <a:ext cx="5554472" cy="3744174"/>
+          </a:xfrm>
+          <a:prstGeom prst="rect">
+            <a:avLst/>
+          </a:prstGeom>
+          <a:noFill/>
+          <a:extLst>
+            <a:ext uri="{909E8E84-426E-40DD-AFC4-6F175D3DCCD1}">
+              <a14:hiddenFill xmlns:a14="http://schemas.microsoft.com/office/drawing/2010/main">
+                <a:solidFill>
+                  <a:srgbClr val="FFFFFF"/>
+                </a:solidFill>
+              </a14:hiddenFill>
+            </a:ext>
+          </a:extLst>
+        </p:spPr>
+      </p:pic>
+    </p:spTree>
+    <p:extLst>
+      <p:ext uri="{BB962C8B-B14F-4D97-AF65-F5344CB8AC3E}">
+        <p14:creationId xmlns:p14="http://schemas.microsoft.com/office/powerpoint/2010/main" val="1633675611"/>
+      </p:ext>
+    </p:extLst>
+  </p:cSld>
+  <p:clrMapOvr>
+    <a:masterClrMapping/>
+  </p:clrMapOvr>
+</p:sld>
+</file>
+
+<file path=ppt/slides/slide11.xml><?xml version="1.0" encoding="utf-8"?>
+<p:sld xmlns:a="http://schemas.openxmlformats.org/drawingml/2006/main" xmlns:r="http://schemas.openxmlformats.org/officeDocument/2006/relationships" xmlns:p="http://schemas.openxmlformats.org/presentationml/2006/main">
+  <p:cSld>
+    <p:spTree>
+      <p:nvGrpSpPr>
+        <p:cNvPr id="1" name=""/>
+        <p:cNvGrpSpPr/>
+        <p:nvPr/>
+      </p:nvGrpSpPr>
+      <p:grpSpPr>
+        <a:xfrm>
+          <a:off x="0" y="0"/>
+          <a:ext cx="0" cy="0"/>
+          <a:chOff x="0" y="0"/>
+          <a:chExt cx="0" cy="0"/>
+        </a:xfrm>
+      </p:grpSpPr>
+      <p:sp>
+        <p:nvSpPr>
+          <p:cNvPr id="2" name="Title 1">
+            <a:extLst>
+              <a:ext uri="{FF2B5EF4-FFF2-40B4-BE49-F238E27FC236}">
+                <a16:creationId xmlns:a16="http://schemas.microsoft.com/office/drawing/2014/main" id="{6CFBDCE7-C040-95CC-18B8-0D28AAB7E1CA}"/>
+              </a:ext>
+            </a:extLst>
+          </p:cNvPr>
+          <p:cNvSpPr>
+            <a:spLocks noGrp="1"/>
+          </p:cNvSpPr>
+          <p:nvPr>
+            <p:ph type="title"/>
+          </p:nvPr>
+        </p:nvSpPr>
+        <p:spPr/>
+        <p:txBody>
+          <a:bodyPr/>
+          <a:lstStyle/>
+          <a:p>
+            <a:r>
+              <a:rPr lang="en-US" dirty="0" err="1"/>
+              <a:t>BiVARIATE</a:t>
+            </a:r>
+            <a:r>
+              <a:rPr lang="en-US" dirty="0"/>
+              <a:t> Analysis</a:t>
+            </a:r>
+          </a:p>
+        </p:txBody>
+      </p:sp>
+      <p:sp>
+        <p:nvSpPr>
+          <p:cNvPr id="3" name="Content Placeholder 2">
+            <a:extLst>
+              <a:ext uri="{FF2B5EF4-FFF2-40B4-BE49-F238E27FC236}">
+                <a16:creationId xmlns:a16="http://schemas.microsoft.com/office/drawing/2014/main" id="{320D6630-554E-5188-214F-B628831874E2}"/>
+              </a:ext>
+            </a:extLst>
+          </p:cNvPr>
+          <p:cNvSpPr>
+            <a:spLocks noGrp="1"/>
+          </p:cNvSpPr>
+          <p:nvPr>
+            <p:ph idx="1"/>
+          </p:nvPr>
+        </p:nvSpPr>
+        <p:spPr>
+          <a:xfrm>
+            <a:off x="1451579" y="1927577"/>
+            <a:ext cx="8829757" cy="4244623"/>
+          </a:xfrm>
+        </p:spPr>
+        <p:txBody>
+          <a:bodyPr/>
+          <a:lstStyle/>
+          <a:p>
+            <a:endParaRPr lang="en-US" dirty="0"/>
+          </a:p>
+          <a:p>
+            <a:endParaRPr lang="en-US" dirty="0"/>
+          </a:p>
+        </p:txBody>
+      </p:sp>
+      <p:sp>
+        <p:nvSpPr>
+          <p:cNvPr id="4" name="TextBox 3">
+            <a:extLst>
+              <a:ext uri="{FF2B5EF4-FFF2-40B4-BE49-F238E27FC236}">
+                <a16:creationId xmlns:a16="http://schemas.microsoft.com/office/drawing/2014/main" id="{EACD886E-CCB4-3485-259A-498C2EDFDB5B}"/>
+              </a:ext>
+            </a:extLst>
+          </p:cNvPr>
+          <p:cNvSpPr txBox="1"/>
+          <p:nvPr/>
+        </p:nvSpPr>
+        <p:spPr>
+          <a:xfrm>
+            <a:off x="5657850" y="2228850"/>
+            <a:ext cx="5397004" cy="1477328"/>
+          </a:xfrm>
+          <a:prstGeom prst="rect">
+            <a:avLst/>
+          </a:prstGeom>
+          <a:noFill/>
+        </p:spPr>
+        <p:txBody>
+          <a:bodyPr wrap="square" rtlCol="0">
+            <a:spAutoFit/>
+          </a:bodyPr>
+          <a:lstStyle/>
+          <a:p>
+            <a:r>
+              <a:rPr lang="en-US" dirty="0"/>
+              <a:t> The Count plot indicates for Loan grades C,D &amp; E have a higher count of “Charged off” compared to grades A &amp; B.</a:t>
+            </a:r>
+          </a:p>
+          <a:p>
+            <a:r>
+              <a:rPr lang="en-US" dirty="0"/>
+              <a:t>It is also noticeable that loans with lower grades have high risk of being “Charged off”</a:t>
+            </a:r>
+          </a:p>
+        </p:txBody>
+      </p:sp>
+      <p:sp>
+        <p:nvSpPr>
+          <p:cNvPr id="5" name="TextBox 4">
+            <a:extLst>
+              <a:ext uri="{FF2B5EF4-FFF2-40B4-BE49-F238E27FC236}">
+                <a16:creationId xmlns:a16="http://schemas.microsoft.com/office/drawing/2014/main" id="{EE14C3B3-7115-F8E4-3E7F-D38F99270670}"/>
+              </a:ext>
+            </a:extLst>
+          </p:cNvPr>
+          <p:cNvSpPr txBox="1"/>
+          <p:nvPr/>
+        </p:nvSpPr>
+        <p:spPr>
+          <a:xfrm>
+            <a:off x="998990" y="4387937"/>
+            <a:ext cx="99920" cy="199481"/>
+          </a:xfrm>
+          <a:prstGeom prst="rect">
+            <a:avLst/>
+          </a:prstGeom>
+          <a:noFill/>
+        </p:spPr>
+        <p:txBody>
+          <a:bodyPr wrap="square" rtlCol="0">
+            <a:spAutoFit/>
+          </a:bodyPr>
+          <a:lstStyle/>
+          <a:p>
+            <a:endParaRPr lang="en-US" dirty="0"/>
+          </a:p>
+        </p:txBody>
+      </p:sp>
+      <p:pic>
+        <p:nvPicPr>
+          <p:cNvPr id="11266" name="Picture 2">
+            <a:extLst>
+              <a:ext uri="{FF2B5EF4-FFF2-40B4-BE49-F238E27FC236}">
+                <a16:creationId xmlns:a16="http://schemas.microsoft.com/office/drawing/2014/main" id="{52C1B4C8-7E75-29B6-FC32-30E399CD8A2F}"/>
+              </a:ext>
+            </a:extLst>
+          </p:cNvPr>
+          <p:cNvPicPr>
+            <a:picLocks noChangeAspect="1" noChangeArrowheads="1"/>
+          </p:cNvPicPr>
+          <p:nvPr/>
+        </p:nvPicPr>
+        <p:blipFill>
+          <a:blip r:embed="rId2">
+            <a:extLst>
+              <a:ext uri="{28A0092B-C50C-407E-A947-70E740481C1C}">
+                <a14:useLocalDpi xmlns:a14="http://schemas.microsoft.com/office/drawing/2010/main" val="0"/>
+              </a:ext>
+            </a:extLst>
+          </a:blip>
+          <a:srcRect/>
+          <a:stretch>
+            <a:fillRect/>
+          </a:stretch>
+        </p:blipFill>
+        <p:spPr bwMode="auto">
+          <a:xfrm>
+            <a:off x="152789" y="1927577"/>
+            <a:ext cx="5453364" cy="3608249"/>
+          </a:xfrm>
+          <a:prstGeom prst="rect">
+            <a:avLst/>
+          </a:prstGeom>
+          <a:noFill/>
+          <a:extLst>
+            <a:ext uri="{909E8E84-426E-40DD-AFC4-6F175D3DCCD1}">
+              <a14:hiddenFill xmlns:a14="http://schemas.microsoft.com/office/drawing/2010/main">
+                <a:solidFill>
+                  <a:srgbClr val="FFFFFF"/>
+                </a:solidFill>
+              </a14:hiddenFill>
+            </a:ext>
+          </a:extLst>
+        </p:spPr>
+      </p:pic>
+    </p:spTree>
+    <p:extLst>
+      <p:ext uri="{BB962C8B-B14F-4D97-AF65-F5344CB8AC3E}">
+        <p14:creationId xmlns:p14="http://schemas.microsoft.com/office/powerpoint/2010/main" val="3634577147"/>
+      </p:ext>
+    </p:extLst>
+  </p:cSld>
+  <p:clrMapOvr>
+    <a:masterClrMapping/>
+  </p:clrMapOvr>
+</p:sld>
+</file>
+
+<file path=ppt/slides/slide12.xml><?xml version="1.0" encoding="utf-8"?>
+<p:sld xmlns:a="http://schemas.openxmlformats.org/drawingml/2006/main" xmlns:r="http://schemas.openxmlformats.org/officeDocument/2006/relationships" xmlns:p="http://schemas.openxmlformats.org/presentationml/2006/main">
+  <p:cSld>
+    <p:spTree>
+      <p:nvGrpSpPr>
+        <p:cNvPr id="1" name=""/>
+        <p:cNvGrpSpPr/>
+        <p:nvPr/>
+      </p:nvGrpSpPr>
+      <p:grpSpPr>
+        <a:xfrm>
+          <a:off x="0" y="0"/>
+          <a:ext cx="0" cy="0"/>
+          <a:chOff x="0" y="0"/>
+          <a:chExt cx="0" cy="0"/>
+        </a:xfrm>
+      </p:grpSpPr>
+      <p:sp>
+        <p:nvSpPr>
+          <p:cNvPr id="2" name="Title 1">
+            <a:extLst>
+              <a:ext uri="{FF2B5EF4-FFF2-40B4-BE49-F238E27FC236}">
+                <a16:creationId xmlns:a16="http://schemas.microsoft.com/office/drawing/2014/main" id="{6CFBDCE7-C040-95CC-18B8-0D28AAB7E1CA}"/>
+              </a:ext>
+            </a:extLst>
+          </p:cNvPr>
+          <p:cNvSpPr>
+            <a:spLocks noGrp="1"/>
+          </p:cNvSpPr>
+          <p:nvPr>
+            <p:ph type="title"/>
+          </p:nvPr>
+        </p:nvSpPr>
+        <p:spPr/>
+        <p:txBody>
+          <a:bodyPr/>
+          <a:lstStyle/>
+          <a:p>
+            <a:r>
+              <a:rPr lang="en-US" dirty="0"/>
+              <a:t>Recommendations</a:t>
+            </a:r>
+          </a:p>
+        </p:txBody>
+      </p:sp>
+      <p:sp>
+        <p:nvSpPr>
+          <p:cNvPr id="3" name="Content Placeholder 2">
+            <a:extLst>
+              <a:ext uri="{FF2B5EF4-FFF2-40B4-BE49-F238E27FC236}">
+                <a16:creationId xmlns:a16="http://schemas.microsoft.com/office/drawing/2014/main" id="{320D6630-554E-5188-214F-B628831874E2}"/>
+              </a:ext>
+            </a:extLst>
+          </p:cNvPr>
+          <p:cNvSpPr>
+            <a:spLocks noGrp="1"/>
+          </p:cNvSpPr>
+          <p:nvPr>
+            <p:ph idx="1"/>
+          </p:nvPr>
+        </p:nvSpPr>
+        <p:spPr>
+          <a:xfrm>
+            <a:off x="1451579" y="1927577"/>
+            <a:ext cx="8829757" cy="4244623"/>
+          </a:xfrm>
+        </p:spPr>
+        <p:txBody>
+          <a:bodyPr/>
+          <a:lstStyle/>
+          <a:p>
+            <a:r>
+              <a:rPr lang="en-US" dirty="0"/>
+              <a:t>Borrowers with lower annual income are typically at higher risk of being “Charged off".</a:t>
+            </a:r>
+          </a:p>
+          <a:p>
+            <a:r>
+              <a:rPr lang="en-US" dirty="0"/>
+              <a:t>The lesser the employment length higher the risk of being “Charged off”</a:t>
+            </a:r>
+          </a:p>
+          <a:p>
+            <a:r>
+              <a:rPr lang="en-US" dirty="0"/>
+              <a:t>Higher is the loan term causes more risk for being ”Charged off”.</a:t>
+            </a:r>
+          </a:p>
+          <a:p>
+            <a:r>
+              <a:rPr lang="en-US" dirty="0"/>
+              <a:t>Needs to be checked on specific geographic location which are expensive like CA for credit worthiness.</a:t>
+            </a:r>
+          </a:p>
+          <a:p>
+            <a:r>
+              <a:rPr lang="en-US" dirty="0"/>
+              <a:t>Lower the grades lower is the risk ( Grades A , B).</a:t>
+            </a:r>
+          </a:p>
+          <a:p>
+            <a:r>
+              <a:rPr lang="en-US" dirty="0"/>
+              <a:t>The higher the interest rates, Higher is the risk being “Charged off”</a:t>
+            </a:r>
+          </a:p>
+          <a:p>
+            <a:endParaRPr lang="en-US" dirty="0"/>
+          </a:p>
+          <a:p>
+            <a:endParaRPr lang="en-US" dirty="0"/>
+          </a:p>
+        </p:txBody>
+      </p:sp>
+      <p:sp>
+        <p:nvSpPr>
+          <p:cNvPr id="5" name="TextBox 4">
+            <a:extLst>
+              <a:ext uri="{FF2B5EF4-FFF2-40B4-BE49-F238E27FC236}">
+                <a16:creationId xmlns:a16="http://schemas.microsoft.com/office/drawing/2014/main" id="{EE14C3B3-7115-F8E4-3E7F-D38F99270670}"/>
+              </a:ext>
+            </a:extLst>
+          </p:cNvPr>
+          <p:cNvSpPr txBox="1"/>
+          <p:nvPr/>
+        </p:nvSpPr>
+        <p:spPr>
+          <a:xfrm>
+            <a:off x="998990" y="4387937"/>
+            <a:ext cx="99920" cy="199481"/>
+          </a:xfrm>
+          <a:prstGeom prst="rect">
+            <a:avLst/>
+          </a:prstGeom>
+          <a:noFill/>
+        </p:spPr>
+        <p:txBody>
+          <a:bodyPr wrap="square" rtlCol="0">
+            <a:spAutoFit/>
+          </a:bodyPr>
+          <a:lstStyle/>
+          <a:p>
+            <a:endParaRPr lang="en-US" dirty="0"/>
+          </a:p>
+        </p:txBody>
+      </p:sp>
+    </p:spTree>
+    <p:extLst>
+      <p:ext uri="{BB962C8B-B14F-4D97-AF65-F5344CB8AC3E}">
+        <p14:creationId xmlns:p14="http://schemas.microsoft.com/office/powerpoint/2010/main" val="1637541580"/>
       </p:ext>
     </p:extLst>
   </p:cSld>
@@ -3783,17 +4383,8 @@
           <a:p>
             <a:r>
               <a:rPr lang="en-US" dirty="0"/>
-              <a:t>Conclusion</a:t>
-            </a:r>
-          </a:p>
-          <a:p>
-            <a:r>
-              <a:rPr lang="en-US" dirty="0"/>
-              <a:t>Questions?</a:t>
-            </a:r>
-          </a:p>
-          <a:p>
-            <a:endParaRPr lang="en-US" dirty="0"/>
+              <a:t>Recommendations</a:t>
+            </a:r>
           </a:p>
         </p:txBody>
       </p:sp>
@@ -4320,10 +4911,9 @@
           <a:p>
             <a:pPr lvl="1"/>
             <a:r>
-              <a:rPr lang="en-US" dirty="0" err="1"/>
-              <a:t>CounterPlot</a:t>
-            </a:r>
-            <a:endParaRPr lang="en-US" dirty="0"/>
+              <a:rPr lang="en-US" dirty="0"/>
+              <a:t>Count Plot</a:t>
+            </a:r>
           </a:p>
           <a:p>
             <a:endParaRPr lang="en-US" dirty="0"/>
@@ -4689,12 +5279,108 @@
             <p:ph idx="1"/>
           </p:nvPr>
         </p:nvSpPr>
-        <p:spPr/>
+        <p:spPr>
+          <a:xfrm>
+            <a:off x="1451579" y="1927577"/>
+            <a:ext cx="8829757" cy="4244623"/>
+          </a:xfrm>
+        </p:spPr>
         <p:txBody>
           <a:bodyPr/>
           <a:lstStyle/>
           <a:p>
-            <a:endParaRPr lang="en-US"/>
+            <a:endParaRPr lang="en-US" dirty="0"/>
+          </a:p>
+          <a:p>
+            <a:endParaRPr lang="en-US" dirty="0"/>
+          </a:p>
+        </p:txBody>
+      </p:sp>
+      <p:pic>
+        <p:nvPicPr>
+          <p:cNvPr id="1026" name="Picture 2">
+            <a:extLst>
+              <a:ext uri="{FF2B5EF4-FFF2-40B4-BE49-F238E27FC236}">
+                <a16:creationId xmlns:a16="http://schemas.microsoft.com/office/drawing/2014/main" id="{6CF50971-360F-3123-F170-062DE6C0FBE0}"/>
+              </a:ext>
+            </a:extLst>
+          </p:cNvPr>
+          <p:cNvPicPr>
+            <a:picLocks noChangeAspect="1" noChangeArrowheads="1"/>
+          </p:cNvPicPr>
+          <p:nvPr/>
+        </p:nvPicPr>
+        <p:blipFill>
+          <a:blip r:embed="rId2">
+            <a:extLst>
+              <a:ext uri="{28A0092B-C50C-407E-A947-70E740481C1C}">
+                <a14:useLocalDpi xmlns:a14="http://schemas.microsoft.com/office/drawing/2010/main" val="0"/>
+              </a:ext>
+            </a:extLst>
+          </a:blip>
+          <a:srcRect/>
+          <a:stretch>
+            <a:fillRect/>
+          </a:stretch>
+        </p:blipFill>
+        <p:spPr bwMode="auto">
+          <a:xfrm>
+            <a:off x="1451579" y="1927577"/>
+            <a:ext cx="3320446" cy="3402724"/>
+          </a:xfrm>
+          <a:prstGeom prst="rect">
+            <a:avLst/>
+          </a:prstGeom>
+          <a:noFill/>
+          <a:extLst>
+            <a:ext uri="{909E8E84-426E-40DD-AFC4-6F175D3DCCD1}">
+              <a14:hiddenFill xmlns:a14="http://schemas.microsoft.com/office/drawing/2010/main">
+                <a:solidFill>
+                  <a:srgbClr val="FFFFFF"/>
+                </a:solidFill>
+              </a14:hiddenFill>
+            </a:ext>
+          </a:extLst>
+        </p:spPr>
+      </p:pic>
+      <p:sp>
+        <p:nvSpPr>
+          <p:cNvPr id="4" name="TextBox 3">
+            <a:extLst>
+              <a:ext uri="{FF2B5EF4-FFF2-40B4-BE49-F238E27FC236}">
+                <a16:creationId xmlns:a16="http://schemas.microsoft.com/office/drawing/2014/main" id="{EACD886E-CCB4-3485-259A-498C2EDFDB5B}"/>
+              </a:ext>
+            </a:extLst>
+          </p:cNvPr>
+          <p:cNvSpPr txBox="1"/>
+          <p:nvPr/>
+        </p:nvSpPr>
+        <p:spPr>
+          <a:xfrm>
+            <a:off x="5657850" y="2228850"/>
+            <a:ext cx="5397004" cy="1477328"/>
+          </a:xfrm>
+          <a:prstGeom prst="rect">
+            <a:avLst/>
+          </a:prstGeom>
+          <a:noFill/>
+        </p:spPr>
+        <p:txBody>
+          <a:bodyPr wrap="square" rtlCol="0">
+            <a:spAutoFit/>
+          </a:bodyPr>
+          <a:lstStyle/>
+          <a:p>
+            <a:r>
+              <a:rPr lang="en-US" dirty="0"/>
+              <a:t>As per the Loan status 83 % of people fully paid the loan and around 14% are charged off which is very significant number</a:t>
+            </a:r>
+          </a:p>
+          <a:p>
+            <a:r>
+              <a:rPr lang="en-US" dirty="0"/>
+              <a:t>Along with this only 3 % have loans in current state which is a very small number</a:t>
+            </a:r>
           </a:p>
         </p:txBody>
       </p:sp>
@@ -4702,6 +5388,627 @@
     <p:extLst>
       <p:ext uri="{BB962C8B-B14F-4D97-AF65-F5344CB8AC3E}">
         <p14:creationId xmlns:p14="http://schemas.microsoft.com/office/powerpoint/2010/main" val="604370554"/>
+      </p:ext>
+    </p:extLst>
+  </p:cSld>
+  <p:clrMapOvr>
+    <a:masterClrMapping/>
+  </p:clrMapOvr>
+</p:sld>
+</file>
+
+<file path=ppt/slides/slide7.xml><?xml version="1.0" encoding="utf-8"?>
+<p:sld xmlns:a="http://schemas.openxmlformats.org/drawingml/2006/main" xmlns:r="http://schemas.openxmlformats.org/officeDocument/2006/relationships" xmlns:p="http://schemas.openxmlformats.org/presentationml/2006/main">
+  <p:cSld>
+    <p:spTree>
+      <p:nvGrpSpPr>
+        <p:cNvPr id="1" name=""/>
+        <p:cNvGrpSpPr/>
+        <p:nvPr/>
+      </p:nvGrpSpPr>
+      <p:grpSpPr>
+        <a:xfrm>
+          <a:off x="0" y="0"/>
+          <a:ext cx="0" cy="0"/>
+          <a:chOff x="0" y="0"/>
+          <a:chExt cx="0" cy="0"/>
+        </a:xfrm>
+      </p:grpSpPr>
+      <p:sp>
+        <p:nvSpPr>
+          <p:cNvPr id="2" name="Title 1">
+            <a:extLst>
+              <a:ext uri="{FF2B5EF4-FFF2-40B4-BE49-F238E27FC236}">
+                <a16:creationId xmlns:a16="http://schemas.microsoft.com/office/drawing/2014/main" id="{6CFBDCE7-C040-95CC-18B8-0D28AAB7E1CA}"/>
+              </a:ext>
+            </a:extLst>
+          </p:cNvPr>
+          <p:cNvSpPr>
+            <a:spLocks noGrp="1"/>
+          </p:cNvSpPr>
+          <p:nvPr>
+            <p:ph type="title"/>
+          </p:nvPr>
+        </p:nvSpPr>
+        <p:spPr/>
+        <p:txBody>
+          <a:bodyPr/>
+          <a:lstStyle/>
+          <a:p>
+            <a:r>
+              <a:rPr lang="en-US"/>
+              <a:t>Univariate Analysis</a:t>
+            </a:r>
+          </a:p>
+        </p:txBody>
+      </p:sp>
+      <p:sp>
+        <p:nvSpPr>
+          <p:cNvPr id="3" name="Content Placeholder 2">
+            <a:extLst>
+              <a:ext uri="{FF2B5EF4-FFF2-40B4-BE49-F238E27FC236}">
+                <a16:creationId xmlns:a16="http://schemas.microsoft.com/office/drawing/2014/main" id="{320D6630-554E-5188-214F-B628831874E2}"/>
+              </a:ext>
+            </a:extLst>
+          </p:cNvPr>
+          <p:cNvSpPr>
+            <a:spLocks noGrp="1"/>
+          </p:cNvSpPr>
+          <p:nvPr>
+            <p:ph idx="1"/>
+          </p:nvPr>
+        </p:nvSpPr>
+        <p:spPr>
+          <a:xfrm>
+            <a:off x="1451579" y="1927577"/>
+            <a:ext cx="8829757" cy="4244623"/>
+          </a:xfrm>
+        </p:spPr>
+        <p:txBody>
+          <a:bodyPr/>
+          <a:lstStyle/>
+          <a:p>
+            <a:endParaRPr lang="en-US" dirty="0"/>
+          </a:p>
+          <a:p>
+            <a:endParaRPr lang="en-US" dirty="0"/>
+          </a:p>
+        </p:txBody>
+      </p:sp>
+      <p:sp>
+        <p:nvSpPr>
+          <p:cNvPr id="4" name="TextBox 3">
+            <a:extLst>
+              <a:ext uri="{FF2B5EF4-FFF2-40B4-BE49-F238E27FC236}">
+                <a16:creationId xmlns:a16="http://schemas.microsoft.com/office/drawing/2014/main" id="{EACD886E-CCB4-3485-259A-498C2EDFDB5B}"/>
+              </a:ext>
+            </a:extLst>
+          </p:cNvPr>
+          <p:cNvSpPr txBox="1"/>
+          <p:nvPr/>
+        </p:nvSpPr>
+        <p:spPr>
+          <a:xfrm>
+            <a:off x="5657850" y="2228850"/>
+            <a:ext cx="5397004" cy="3693319"/>
+          </a:xfrm>
+          <a:prstGeom prst="rect">
+            <a:avLst/>
+          </a:prstGeom>
+          <a:noFill/>
+        </p:spPr>
+        <p:txBody>
+          <a:bodyPr wrap="square" rtlCol="0">
+            <a:spAutoFit/>
+          </a:bodyPr>
+          <a:lstStyle/>
+          <a:p>
+            <a:r>
+              <a:rPr lang="en-US" dirty="0"/>
+              <a:t> The Chart indicates that for loan amount most of the loans are in range of $5000-$15000, Bigger loans are less or declined as the loan amount increases.</a:t>
+            </a:r>
+          </a:p>
+          <a:p>
+            <a:r>
+              <a:rPr lang="en-US" dirty="0"/>
+              <a:t>The Chart shows that Interest rate falls in the range of 10% - 20% for most of the loans and there are very few loans with less interest rates and very few with high interest rates for bigger loan amount.</a:t>
+            </a:r>
+          </a:p>
+          <a:p>
+            <a:r>
+              <a:rPr lang="en-US" dirty="0"/>
+              <a:t>The Chart indicates that the grades B,C and D are most common which are moderate level of credit grades for most loans.</a:t>
+            </a:r>
+          </a:p>
+          <a:p>
+            <a:r>
+              <a:rPr lang="en-US" dirty="0"/>
+              <a:t>Chart indicates that most of the borrowers either rent or have mortgages and a smaller Number of borrowers own a Home.</a:t>
+            </a:r>
+          </a:p>
+        </p:txBody>
+      </p:sp>
+      <p:pic>
+        <p:nvPicPr>
+          <p:cNvPr id="3074" name="Picture 2">
+            <a:extLst>
+              <a:ext uri="{FF2B5EF4-FFF2-40B4-BE49-F238E27FC236}">
+                <a16:creationId xmlns:a16="http://schemas.microsoft.com/office/drawing/2014/main" id="{9CCE7C23-400C-37CA-4F50-416089ADB28E}"/>
+              </a:ext>
+            </a:extLst>
+          </p:cNvPr>
+          <p:cNvPicPr>
+            <a:picLocks noChangeAspect="1" noChangeArrowheads="1"/>
+          </p:cNvPicPr>
+          <p:nvPr/>
+        </p:nvPicPr>
+        <p:blipFill>
+          <a:blip r:embed="rId2">
+            <a:extLst>
+              <a:ext uri="{28A0092B-C50C-407E-A947-70E740481C1C}">
+                <a14:useLocalDpi xmlns:a14="http://schemas.microsoft.com/office/drawing/2010/main" val="0"/>
+              </a:ext>
+            </a:extLst>
+          </a:blip>
+          <a:srcRect/>
+          <a:stretch>
+            <a:fillRect/>
+          </a:stretch>
+        </p:blipFill>
+        <p:spPr bwMode="auto">
+          <a:xfrm>
+            <a:off x="995611" y="1853754"/>
+            <a:ext cx="4219327" cy="3938524"/>
+          </a:xfrm>
+          <a:prstGeom prst="rect">
+            <a:avLst/>
+          </a:prstGeom>
+          <a:noFill/>
+          <a:extLst>
+            <a:ext uri="{909E8E84-426E-40DD-AFC4-6F175D3DCCD1}">
+              <a14:hiddenFill xmlns:a14="http://schemas.microsoft.com/office/drawing/2010/main">
+                <a:solidFill>
+                  <a:srgbClr val="FFFFFF"/>
+                </a:solidFill>
+              </a14:hiddenFill>
+            </a:ext>
+          </a:extLst>
+        </p:spPr>
+      </p:pic>
+    </p:spTree>
+    <p:extLst>
+      <p:ext uri="{BB962C8B-B14F-4D97-AF65-F5344CB8AC3E}">
+        <p14:creationId xmlns:p14="http://schemas.microsoft.com/office/powerpoint/2010/main" val="3595448052"/>
+      </p:ext>
+    </p:extLst>
+  </p:cSld>
+  <p:clrMapOvr>
+    <a:masterClrMapping/>
+  </p:clrMapOvr>
+</p:sld>
+</file>
+
+<file path=ppt/slides/slide8.xml><?xml version="1.0" encoding="utf-8"?>
+<p:sld xmlns:a="http://schemas.openxmlformats.org/drawingml/2006/main" xmlns:r="http://schemas.openxmlformats.org/officeDocument/2006/relationships" xmlns:p="http://schemas.openxmlformats.org/presentationml/2006/main">
+  <p:cSld>
+    <p:spTree>
+      <p:nvGrpSpPr>
+        <p:cNvPr id="1" name=""/>
+        <p:cNvGrpSpPr/>
+        <p:nvPr/>
+      </p:nvGrpSpPr>
+      <p:grpSpPr>
+        <a:xfrm>
+          <a:off x="0" y="0"/>
+          <a:ext cx="0" cy="0"/>
+          <a:chOff x="0" y="0"/>
+          <a:chExt cx="0" cy="0"/>
+        </a:xfrm>
+      </p:grpSpPr>
+      <p:sp>
+        <p:nvSpPr>
+          <p:cNvPr id="2" name="Title 1">
+            <a:extLst>
+              <a:ext uri="{FF2B5EF4-FFF2-40B4-BE49-F238E27FC236}">
+                <a16:creationId xmlns:a16="http://schemas.microsoft.com/office/drawing/2014/main" id="{6CFBDCE7-C040-95CC-18B8-0D28AAB7E1CA}"/>
+              </a:ext>
+            </a:extLst>
+          </p:cNvPr>
+          <p:cNvSpPr>
+            <a:spLocks noGrp="1"/>
+          </p:cNvSpPr>
+          <p:nvPr>
+            <p:ph type="title"/>
+          </p:nvPr>
+        </p:nvSpPr>
+        <p:spPr/>
+        <p:txBody>
+          <a:bodyPr/>
+          <a:lstStyle/>
+          <a:p>
+            <a:r>
+              <a:rPr lang="en-US" dirty="0" err="1"/>
+              <a:t>BiVARIATE</a:t>
+            </a:r>
+            <a:r>
+              <a:rPr lang="en-US" dirty="0"/>
+              <a:t> Analysis</a:t>
+            </a:r>
+          </a:p>
+        </p:txBody>
+      </p:sp>
+      <p:sp>
+        <p:nvSpPr>
+          <p:cNvPr id="3" name="Content Placeholder 2">
+            <a:extLst>
+              <a:ext uri="{FF2B5EF4-FFF2-40B4-BE49-F238E27FC236}">
+                <a16:creationId xmlns:a16="http://schemas.microsoft.com/office/drawing/2014/main" id="{320D6630-554E-5188-214F-B628831874E2}"/>
+              </a:ext>
+            </a:extLst>
+          </p:cNvPr>
+          <p:cNvSpPr>
+            <a:spLocks noGrp="1"/>
+          </p:cNvSpPr>
+          <p:nvPr>
+            <p:ph idx="1"/>
+          </p:nvPr>
+        </p:nvSpPr>
+        <p:spPr>
+          <a:xfrm>
+            <a:off x="1451579" y="1927577"/>
+            <a:ext cx="8829757" cy="4244623"/>
+          </a:xfrm>
+        </p:spPr>
+        <p:txBody>
+          <a:bodyPr/>
+          <a:lstStyle/>
+          <a:p>
+            <a:endParaRPr lang="en-US" dirty="0"/>
+          </a:p>
+          <a:p>
+            <a:endParaRPr lang="en-US" dirty="0"/>
+          </a:p>
+        </p:txBody>
+      </p:sp>
+      <p:sp>
+        <p:nvSpPr>
+          <p:cNvPr id="4" name="TextBox 3">
+            <a:extLst>
+              <a:ext uri="{FF2B5EF4-FFF2-40B4-BE49-F238E27FC236}">
+                <a16:creationId xmlns:a16="http://schemas.microsoft.com/office/drawing/2014/main" id="{EACD886E-CCB4-3485-259A-498C2EDFDB5B}"/>
+              </a:ext>
+            </a:extLst>
+          </p:cNvPr>
+          <p:cNvSpPr txBox="1"/>
+          <p:nvPr/>
+        </p:nvSpPr>
+        <p:spPr>
+          <a:xfrm>
+            <a:off x="5657850" y="2228850"/>
+            <a:ext cx="5397004" cy="1754326"/>
+          </a:xfrm>
+          <a:prstGeom prst="rect">
+            <a:avLst/>
+          </a:prstGeom>
+          <a:noFill/>
+        </p:spPr>
+        <p:txBody>
+          <a:bodyPr wrap="square" rtlCol="0">
+            <a:spAutoFit/>
+          </a:bodyPr>
+          <a:lstStyle/>
+          <a:p>
+            <a:r>
+              <a:rPr lang="en-US" dirty="0"/>
+              <a:t> The Histogram shows a clear comparison of distribution Loan amounts for loan status and also observed that the loan amounts with lower amount have more fully paid borrowers while charged off tends to have with higher loan amount.</a:t>
+            </a:r>
+          </a:p>
+          <a:p>
+            <a:endParaRPr lang="en-US" dirty="0"/>
+          </a:p>
+        </p:txBody>
+      </p:sp>
+      <p:sp>
+        <p:nvSpPr>
+          <p:cNvPr id="5" name="TextBox 4">
+            <a:extLst>
+              <a:ext uri="{FF2B5EF4-FFF2-40B4-BE49-F238E27FC236}">
+                <a16:creationId xmlns:a16="http://schemas.microsoft.com/office/drawing/2014/main" id="{EE14C3B3-7115-F8E4-3E7F-D38F99270670}"/>
+              </a:ext>
+            </a:extLst>
+          </p:cNvPr>
+          <p:cNvSpPr txBox="1"/>
+          <p:nvPr/>
+        </p:nvSpPr>
+        <p:spPr>
+          <a:xfrm>
+            <a:off x="998990" y="4387937"/>
+            <a:ext cx="99920" cy="199481"/>
+          </a:xfrm>
+          <a:prstGeom prst="rect">
+            <a:avLst/>
+          </a:prstGeom>
+          <a:noFill/>
+        </p:spPr>
+        <p:txBody>
+          <a:bodyPr wrap="square" rtlCol="0">
+            <a:spAutoFit/>
+          </a:bodyPr>
+          <a:lstStyle/>
+          <a:p>
+            <a:endParaRPr lang="en-US" dirty="0"/>
+          </a:p>
+        </p:txBody>
+      </p:sp>
+      <p:pic>
+        <p:nvPicPr>
+          <p:cNvPr id="5122" name="Picture 2">
+            <a:extLst>
+              <a:ext uri="{FF2B5EF4-FFF2-40B4-BE49-F238E27FC236}">
+                <a16:creationId xmlns:a16="http://schemas.microsoft.com/office/drawing/2014/main" id="{40638A36-F7F3-97E6-F222-EF703E33F990}"/>
+              </a:ext>
+            </a:extLst>
+          </p:cNvPr>
+          <p:cNvPicPr>
+            <a:picLocks noChangeAspect="1" noChangeArrowheads="1"/>
+          </p:cNvPicPr>
+          <p:nvPr/>
+        </p:nvPicPr>
+        <p:blipFill>
+          <a:blip r:embed="rId2">
+            <a:extLst>
+              <a:ext uri="{28A0092B-C50C-407E-A947-70E740481C1C}">
+                <a14:useLocalDpi xmlns:a14="http://schemas.microsoft.com/office/drawing/2010/main" val="0"/>
+              </a:ext>
+            </a:extLst>
+          </a:blip>
+          <a:srcRect/>
+          <a:stretch>
+            <a:fillRect/>
+          </a:stretch>
+        </p:blipFill>
+        <p:spPr bwMode="auto">
+          <a:xfrm>
+            <a:off x="260846" y="1927577"/>
+            <a:ext cx="5397004" cy="3559261"/>
+          </a:xfrm>
+          <a:prstGeom prst="rect">
+            <a:avLst/>
+          </a:prstGeom>
+          <a:noFill/>
+          <a:extLst>
+            <a:ext uri="{909E8E84-426E-40DD-AFC4-6F175D3DCCD1}">
+              <a14:hiddenFill xmlns:a14="http://schemas.microsoft.com/office/drawing/2010/main">
+                <a:solidFill>
+                  <a:srgbClr val="FFFFFF"/>
+                </a:solidFill>
+              </a14:hiddenFill>
+            </a:ext>
+          </a:extLst>
+        </p:spPr>
+      </p:pic>
+    </p:spTree>
+    <p:extLst>
+      <p:ext uri="{BB962C8B-B14F-4D97-AF65-F5344CB8AC3E}">
+        <p14:creationId xmlns:p14="http://schemas.microsoft.com/office/powerpoint/2010/main" val="4039620189"/>
+      </p:ext>
+    </p:extLst>
+  </p:cSld>
+  <p:clrMapOvr>
+    <a:masterClrMapping/>
+  </p:clrMapOvr>
+</p:sld>
+</file>
+
+<file path=ppt/slides/slide9.xml><?xml version="1.0" encoding="utf-8"?>
+<p:sld xmlns:a="http://schemas.openxmlformats.org/drawingml/2006/main" xmlns:r="http://schemas.openxmlformats.org/officeDocument/2006/relationships" xmlns:p="http://schemas.openxmlformats.org/presentationml/2006/main">
+  <p:cSld>
+    <p:spTree>
+      <p:nvGrpSpPr>
+        <p:cNvPr id="1" name=""/>
+        <p:cNvGrpSpPr/>
+        <p:nvPr/>
+      </p:nvGrpSpPr>
+      <p:grpSpPr>
+        <a:xfrm>
+          <a:off x="0" y="0"/>
+          <a:ext cx="0" cy="0"/>
+          <a:chOff x="0" y="0"/>
+          <a:chExt cx="0" cy="0"/>
+        </a:xfrm>
+      </p:grpSpPr>
+      <p:sp>
+        <p:nvSpPr>
+          <p:cNvPr id="2" name="Title 1">
+            <a:extLst>
+              <a:ext uri="{FF2B5EF4-FFF2-40B4-BE49-F238E27FC236}">
+                <a16:creationId xmlns:a16="http://schemas.microsoft.com/office/drawing/2014/main" id="{6CFBDCE7-C040-95CC-18B8-0D28AAB7E1CA}"/>
+              </a:ext>
+            </a:extLst>
+          </p:cNvPr>
+          <p:cNvSpPr>
+            <a:spLocks noGrp="1"/>
+          </p:cNvSpPr>
+          <p:nvPr>
+            <p:ph type="title"/>
+          </p:nvPr>
+        </p:nvSpPr>
+        <p:spPr/>
+        <p:txBody>
+          <a:bodyPr/>
+          <a:lstStyle/>
+          <a:p>
+            <a:r>
+              <a:rPr lang="en-US" dirty="0" err="1"/>
+              <a:t>BiVARIATE</a:t>
+            </a:r>
+            <a:r>
+              <a:rPr lang="en-US" dirty="0"/>
+              <a:t> Analysis</a:t>
+            </a:r>
+          </a:p>
+        </p:txBody>
+      </p:sp>
+      <p:sp>
+        <p:nvSpPr>
+          <p:cNvPr id="3" name="Content Placeholder 2">
+            <a:extLst>
+              <a:ext uri="{FF2B5EF4-FFF2-40B4-BE49-F238E27FC236}">
+                <a16:creationId xmlns:a16="http://schemas.microsoft.com/office/drawing/2014/main" id="{320D6630-554E-5188-214F-B628831874E2}"/>
+              </a:ext>
+            </a:extLst>
+          </p:cNvPr>
+          <p:cNvSpPr>
+            <a:spLocks noGrp="1"/>
+          </p:cNvSpPr>
+          <p:nvPr>
+            <p:ph idx="1"/>
+          </p:nvPr>
+        </p:nvSpPr>
+        <p:spPr>
+          <a:xfrm>
+            <a:off x="1451579" y="1927577"/>
+            <a:ext cx="8829757" cy="4244623"/>
+          </a:xfrm>
+        </p:spPr>
+        <p:txBody>
+          <a:bodyPr/>
+          <a:lstStyle/>
+          <a:p>
+            <a:endParaRPr lang="en-US" dirty="0"/>
+          </a:p>
+          <a:p>
+            <a:endParaRPr lang="en-US" dirty="0"/>
+          </a:p>
+        </p:txBody>
+      </p:sp>
+      <p:sp>
+        <p:nvSpPr>
+          <p:cNvPr id="4" name="TextBox 3">
+            <a:extLst>
+              <a:ext uri="{FF2B5EF4-FFF2-40B4-BE49-F238E27FC236}">
+                <a16:creationId xmlns:a16="http://schemas.microsoft.com/office/drawing/2014/main" id="{EACD886E-CCB4-3485-259A-498C2EDFDB5B}"/>
+              </a:ext>
+            </a:extLst>
+          </p:cNvPr>
+          <p:cNvSpPr txBox="1"/>
+          <p:nvPr/>
+        </p:nvSpPr>
+        <p:spPr>
+          <a:xfrm>
+            <a:off x="5657850" y="2228850"/>
+            <a:ext cx="5397004" cy="1477328"/>
+          </a:xfrm>
+          <a:prstGeom prst="rect">
+            <a:avLst/>
+          </a:prstGeom>
+          <a:noFill/>
+        </p:spPr>
+        <p:txBody>
+          <a:bodyPr wrap="square" rtlCol="0">
+            <a:spAutoFit/>
+          </a:bodyPr>
+          <a:lstStyle/>
+          <a:p>
+            <a:r>
+              <a:rPr lang="en-US" dirty="0"/>
+              <a:t> Boxplot indicates that the interest rates for “Charged off” are high compared to “Fully Paid” loans.</a:t>
+            </a:r>
+          </a:p>
+          <a:p>
+            <a:r>
+              <a:rPr lang="en-US" dirty="0"/>
+              <a:t>Higher interest rated seems to be the key factor for the loans being “Charged off”</a:t>
+            </a:r>
+          </a:p>
+          <a:p>
+            <a:endParaRPr lang="en-US" dirty="0"/>
+          </a:p>
+        </p:txBody>
+      </p:sp>
+      <p:sp>
+        <p:nvSpPr>
+          <p:cNvPr id="5" name="TextBox 4">
+            <a:extLst>
+              <a:ext uri="{FF2B5EF4-FFF2-40B4-BE49-F238E27FC236}">
+                <a16:creationId xmlns:a16="http://schemas.microsoft.com/office/drawing/2014/main" id="{EE14C3B3-7115-F8E4-3E7F-D38F99270670}"/>
+              </a:ext>
+            </a:extLst>
+          </p:cNvPr>
+          <p:cNvSpPr txBox="1"/>
+          <p:nvPr/>
+        </p:nvSpPr>
+        <p:spPr>
+          <a:xfrm>
+            <a:off x="998990" y="4387937"/>
+            <a:ext cx="99920" cy="199481"/>
+          </a:xfrm>
+          <a:prstGeom prst="rect">
+            <a:avLst/>
+          </a:prstGeom>
+          <a:noFill/>
+        </p:spPr>
+        <p:txBody>
+          <a:bodyPr wrap="square" rtlCol="0">
+            <a:spAutoFit/>
+          </a:bodyPr>
+          <a:lstStyle/>
+          <a:p>
+            <a:endParaRPr lang="en-US" dirty="0"/>
+          </a:p>
+        </p:txBody>
+      </p:sp>
+      <p:pic>
+        <p:nvPicPr>
+          <p:cNvPr id="7170" name="Picture 2">
+            <a:extLst>
+              <a:ext uri="{FF2B5EF4-FFF2-40B4-BE49-F238E27FC236}">
+                <a16:creationId xmlns:a16="http://schemas.microsoft.com/office/drawing/2014/main" id="{C66A75FC-BDCA-D60F-951A-FB9722091593}"/>
+              </a:ext>
+            </a:extLst>
+          </p:cNvPr>
+          <p:cNvPicPr>
+            <a:picLocks noChangeAspect="1" noChangeArrowheads="1"/>
+          </p:cNvPicPr>
+          <p:nvPr/>
+        </p:nvPicPr>
+        <p:blipFill>
+          <a:blip r:embed="rId2">
+            <a:extLst>
+              <a:ext uri="{28A0092B-C50C-407E-A947-70E740481C1C}">
+                <a14:useLocalDpi xmlns:a14="http://schemas.microsoft.com/office/drawing/2010/main" val="0"/>
+              </a:ext>
+            </a:extLst>
+          </a:blip>
+          <a:srcRect/>
+          <a:stretch>
+            <a:fillRect/>
+          </a:stretch>
+        </p:blipFill>
+        <p:spPr bwMode="auto">
+          <a:xfrm>
+            <a:off x="98854" y="1853754"/>
+            <a:ext cx="5521502" cy="3719143"/>
+          </a:xfrm>
+          <a:prstGeom prst="rect">
+            <a:avLst/>
+          </a:prstGeom>
+          <a:noFill/>
+          <a:extLst>
+            <a:ext uri="{909E8E84-426E-40DD-AFC4-6F175D3DCCD1}">
+              <a14:hiddenFill xmlns:a14="http://schemas.microsoft.com/office/drawing/2010/main">
+                <a:solidFill>
+                  <a:srgbClr val="FFFFFF"/>
+                </a:solidFill>
+              </a14:hiddenFill>
+            </a:ext>
+          </a:extLst>
+        </p:spPr>
+      </p:pic>
+    </p:spTree>
+    <p:extLst>
+      <p:ext uri="{BB962C8B-B14F-4D97-AF65-F5344CB8AC3E}">
+        <p14:creationId xmlns:p14="http://schemas.microsoft.com/office/powerpoint/2010/main" val="3044616213"/>
       </p:ext>
     </p:extLst>
   </p:cSld>
